--- a/Day 1/Slides/4. Conditional Logic and Block Statements/conditional-logic-and-block-statements-slides.pptx
+++ b/Day 1/Slides/4. Conditional Logic and Block Statements/conditional-logic-and-block-statements-slides.pptx
@@ -5,31 +5,31 @@
     <p:sldMasterId id="2147483648" r:id="rId1"/>
   </p:sldMasterIdLst>
   <p:notesMasterIdLst>
-    <p:notesMasterId r:id="rId25"/>
+    <p:notesMasterId r:id="rId24"/>
   </p:notesMasterIdLst>
   <p:sldIdLst>
-    <p:sldId id="256" r:id="rId3"/>
-    <p:sldId id="257" r:id="rId4"/>
-    <p:sldId id="258" r:id="rId5"/>
-    <p:sldId id="259" r:id="rId6"/>
-    <p:sldId id="260" r:id="rId7"/>
-    <p:sldId id="261" r:id="rId8"/>
-    <p:sldId id="262" r:id="rId9"/>
-    <p:sldId id="263" r:id="rId10"/>
-    <p:sldId id="264" r:id="rId11"/>
-    <p:sldId id="265" r:id="rId12"/>
-    <p:sldId id="266" r:id="rId13"/>
-    <p:sldId id="267" r:id="rId14"/>
-    <p:sldId id="268" r:id="rId15"/>
-    <p:sldId id="269" r:id="rId16"/>
-    <p:sldId id="277" r:id="rId17"/>
-    <p:sldId id="270" r:id="rId18"/>
-    <p:sldId id="271" r:id="rId19"/>
-    <p:sldId id="272" r:id="rId20"/>
-    <p:sldId id="273" r:id="rId21"/>
-    <p:sldId id="274" r:id="rId22"/>
-    <p:sldId id="275" r:id="rId23"/>
-    <p:sldId id="276" r:id="rId24"/>
+    <p:sldId id="256" r:id="rId2"/>
+    <p:sldId id="257" r:id="rId3"/>
+    <p:sldId id="258" r:id="rId4"/>
+    <p:sldId id="259" r:id="rId5"/>
+    <p:sldId id="260" r:id="rId6"/>
+    <p:sldId id="261" r:id="rId7"/>
+    <p:sldId id="262" r:id="rId8"/>
+    <p:sldId id="263" r:id="rId9"/>
+    <p:sldId id="264" r:id="rId10"/>
+    <p:sldId id="265" r:id="rId11"/>
+    <p:sldId id="266" r:id="rId12"/>
+    <p:sldId id="267" r:id="rId13"/>
+    <p:sldId id="268" r:id="rId14"/>
+    <p:sldId id="269" r:id="rId15"/>
+    <p:sldId id="277" r:id="rId16"/>
+    <p:sldId id="270" r:id="rId17"/>
+    <p:sldId id="271" r:id="rId18"/>
+    <p:sldId id="272" r:id="rId19"/>
+    <p:sldId id="273" r:id="rId20"/>
+    <p:sldId id="274" r:id="rId21"/>
+    <p:sldId id="275" r:id="rId22"/>
+    <p:sldId id="276" r:id="rId23"/>
   </p:sldIdLst>
   <p:sldSz cx="12192000" cy="6858000"/>
   <p:notesSz cx="12192000" cy="6858000"/>
@@ -125,6 +125,22 @@
       </a:defRPr>
     </a:lvl9pPr>
   </p:defaultTextStyle>
+  <p:extLst>
+    <p:ext uri="{EFAFB233-063F-42B5-8137-9DF3F51BA10A}">
+      <p15:sldGuideLst xmlns:p15="http://schemas.microsoft.com/office/powerpoint/2012/main">
+        <p15:guide id="1" orient="horz" pos="2901">
+          <p15:clr>
+            <a:srgbClr val="A4A3A4"/>
+          </p15:clr>
+        </p15:guide>
+        <p15:guide id="2" pos="2160">
+          <p15:clr>
+            <a:srgbClr val="A4A3A4"/>
+          </p15:clr>
+        </p15:guide>
+      </p15:sldGuideLst>
+    </p:ext>
+  </p:extLst>
 </p:presentation>
 </file>
 
@@ -210,6 +226,7 @@
           <a:p>
             <a:fld id="{3EFD42F7-718C-4B98-AAEC-167E6DDD60A7}" type="datetimeFigureOut">
               <a:rPr lang="en-US" smtClean="0"/>
+              <a:t>8/3/2023</a:t>
             </a:fld>
             <a:endParaRPr lang="en-US"/>
           </a:p>
@@ -273,42 +290,37 @@
           <a:p>
             <a:pPr lvl="0"/>
             <a:r>
-              <a:rPr lang="en-US" smtClean="0"/>
+              <a:rPr lang="en-US"/>
               <a:t>Click to edit Master text styles</a:t>
             </a:r>
-            <a:endParaRPr lang="en-US" smtClean="0"/>
           </a:p>
           <a:p>
             <a:pPr lvl="1"/>
             <a:r>
-              <a:rPr lang="en-US" smtClean="0"/>
+              <a:rPr lang="en-US"/>
               <a:t>Second level</a:t>
             </a:r>
-            <a:endParaRPr lang="en-US" smtClean="0"/>
           </a:p>
           <a:p>
             <a:pPr lvl="2"/>
             <a:r>
-              <a:rPr lang="en-US" smtClean="0"/>
+              <a:rPr lang="en-US"/>
               <a:t>Third level</a:t>
             </a:r>
-            <a:endParaRPr lang="en-US" smtClean="0"/>
           </a:p>
           <a:p>
             <a:pPr lvl="3"/>
             <a:r>
-              <a:rPr lang="en-US" smtClean="0"/>
+              <a:rPr lang="en-US"/>
               <a:t>Fourth level</a:t>
             </a:r>
-            <a:endParaRPr lang="en-US" smtClean="0"/>
           </a:p>
           <a:p>
             <a:pPr lvl="4"/>
             <a:r>
-              <a:rPr lang="en-US" smtClean="0"/>
+              <a:rPr lang="en-US"/>
               <a:t>Fifth level</a:t>
             </a:r>
-            <a:endParaRPr lang="en-US"/>
           </a:p>
         </p:txBody>
       </p:sp>
@@ -372,6 +384,7 @@
           <a:p>
             <a:fld id="{21B2AA4F-B828-4D7C-AFD3-893933DAFCB4}" type="slidenum">
               <a:rPr lang="en-US" smtClean="0"/>
+              <a:t>‹#›</a:t>
             </a:fld>
             <a:endParaRPr lang="en-US"/>
           </a:p>
@@ -520,7 +533,9 @@
               <a:defRPr/>
             </a:lvl1pPr>
           </a:lstStyle>
-          <a:p/>
+          <a:p>
+            <a:endParaRPr/>
+          </a:p>
         </p:txBody>
       </p:sp>
       <p:sp>
@@ -551,7 +566,9 @@
               <a:defRPr/>
             </a:lvl1pPr>
           </a:lstStyle>
-          <a:p/>
+          <a:p>
+            <a:endParaRPr/>
+          </a:p>
         </p:txBody>
       </p:sp>
       <p:sp>
@@ -578,7 +595,9 @@
               </a:defRPr>
             </a:lvl1pPr>
           </a:lstStyle>
-          <a:p/>
+          <a:p>
+            <a:endParaRPr/>
+          </a:p>
         </p:txBody>
       </p:sp>
       <p:sp>
@@ -608,6 +627,7 @@
           <a:p>
             <a:fld id="{1D8BD707-D9CF-40AE-B4C6-C98DA3205C09}" type="datetimeFigureOut">
               <a:rPr lang="en-US"/>
+              <a:t>8/3/2023</a:t>
             </a:fld>
             <a:endParaRPr lang="en-US"/>
           </a:p>
@@ -640,6 +660,7 @@
           <a:p>
             <a:fld id="{B6F15528-21DE-4FAA-801E-634DDDAF4B2B}" type="slidenum">
               <a:rPr/>
+              <a:t>‹#›</a:t>
             </a:fld>
             <a:endParaRPr/>
           </a:p>
@@ -695,7 +716,9 @@
               </a:defRPr>
             </a:lvl1pPr>
           </a:lstStyle>
-          <a:p/>
+          <a:p>
+            <a:endParaRPr/>
+          </a:p>
         </p:txBody>
       </p:sp>
       <p:sp>
@@ -720,7 +743,9 @@
               </a:defRPr>
             </a:lvl1pPr>
           </a:lstStyle>
-          <a:p/>
+          <a:p>
+            <a:endParaRPr/>
+          </a:p>
         </p:txBody>
       </p:sp>
       <p:sp>
@@ -747,7 +772,9 @@
               </a:defRPr>
             </a:lvl1pPr>
           </a:lstStyle>
-          <a:p/>
+          <a:p>
+            <a:endParaRPr/>
+          </a:p>
         </p:txBody>
       </p:sp>
       <p:sp>
@@ -777,6 +804,7 @@
           <a:p>
             <a:fld id="{1D8BD707-D9CF-40AE-B4C6-C98DA3205C09}" type="datetimeFigureOut">
               <a:rPr lang="en-US"/>
+              <a:t>8/3/2023</a:t>
             </a:fld>
             <a:endParaRPr lang="en-US"/>
           </a:p>
@@ -809,6 +837,7 @@
           <a:p>
             <a:fld id="{B6F15528-21DE-4FAA-801E-634DDDAF4B2B}" type="slidenum">
               <a:rPr/>
+              <a:t>‹#›</a:t>
             </a:fld>
             <a:endParaRPr/>
           </a:p>
@@ -864,7 +893,9 @@
               </a:defRPr>
             </a:lvl1pPr>
           </a:lstStyle>
-          <a:p/>
+          <a:p>
+            <a:endParaRPr/>
+          </a:p>
         </p:txBody>
       </p:sp>
       <p:sp>
@@ -895,7 +926,9 @@
               <a:defRPr/>
             </a:lvl1pPr>
           </a:lstStyle>
-          <a:p/>
+          <a:p>
+            <a:endParaRPr/>
+          </a:p>
         </p:txBody>
       </p:sp>
       <p:sp>
@@ -926,7 +959,9 @@
               <a:defRPr/>
             </a:lvl1pPr>
           </a:lstStyle>
-          <a:p/>
+          <a:p>
+            <a:endParaRPr/>
+          </a:p>
         </p:txBody>
       </p:sp>
       <p:sp>
@@ -953,7 +988,9 @@
               </a:defRPr>
             </a:lvl1pPr>
           </a:lstStyle>
-          <a:p/>
+          <a:p>
+            <a:endParaRPr/>
+          </a:p>
         </p:txBody>
       </p:sp>
       <p:sp>
@@ -983,6 +1020,7 @@
           <a:p>
             <a:fld id="{1D8BD707-D9CF-40AE-B4C6-C98DA3205C09}" type="datetimeFigureOut">
               <a:rPr lang="en-US"/>
+              <a:t>8/3/2023</a:t>
             </a:fld>
             <a:endParaRPr lang="en-US"/>
           </a:p>
@@ -1015,6 +1053,7 @@
           <a:p>
             <a:fld id="{B6F15528-21DE-4FAA-801E-634DDDAF4B2B}" type="slidenum">
               <a:rPr/>
+              <a:t>‹#›</a:t>
             </a:fld>
             <a:endParaRPr/>
           </a:p>
@@ -1070,7 +1109,9 @@
               </a:defRPr>
             </a:lvl1pPr>
           </a:lstStyle>
-          <a:p/>
+          <a:p>
+            <a:endParaRPr/>
+          </a:p>
         </p:txBody>
       </p:sp>
       <p:sp>
@@ -1097,7 +1138,9 @@
               </a:defRPr>
             </a:lvl1pPr>
           </a:lstStyle>
-          <a:p/>
+          <a:p>
+            <a:endParaRPr/>
+          </a:p>
         </p:txBody>
       </p:sp>
       <p:sp>
@@ -1127,6 +1170,7 @@
           <a:p>
             <a:fld id="{1D8BD707-D9CF-40AE-B4C6-C98DA3205C09}" type="datetimeFigureOut">
               <a:rPr lang="en-US"/>
+              <a:t>8/3/2023</a:t>
             </a:fld>
             <a:endParaRPr lang="en-US"/>
           </a:p>
@@ -1159,6 +1203,7 @@
           <a:p>
             <a:fld id="{B6F15528-21DE-4FAA-801E-634DDDAF4B2B}" type="slidenum">
               <a:rPr/>
+              <a:t>‹#›</a:t>
             </a:fld>
             <a:endParaRPr/>
           </a:p>
@@ -1214,7 +1259,9 @@
               </a:defRPr>
             </a:lvl1pPr>
           </a:lstStyle>
-          <a:p/>
+          <a:p>
+            <a:endParaRPr/>
+          </a:p>
         </p:txBody>
       </p:sp>
       <p:sp>
@@ -1244,6 +1291,7 @@
           <a:p>
             <a:fld id="{1D8BD707-D9CF-40AE-B4C6-C98DA3205C09}" type="datetimeFigureOut">
               <a:rPr lang="en-US"/>
+              <a:t>8/3/2023</a:t>
             </a:fld>
             <a:endParaRPr lang="en-US"/>
           </a:p>
@@ -1276,6 +1324,7 @@
           <a:p>
             <a:fld id="{B6F15528-21DE-4FAA-801E-634DDDAF4B2B}" type="slidenum">
               <a:rPr/>
+              <a:t>‹#›</a:t>
             </a:fld>
             <a:endParaRPr/>
           </a:p>
@@ -1349,7 +1398,9 @@
               </a:defRPr>
             </a:lvl1pPr>
           </a:lstStyle>
-          <a:p/>
+          <a:p>
+            <a:endParaRPr/>
+          </a:p>
         </p:txBody>
       </p:sp>
       <p:sp>
@@ -1384,7 +1435,9 @@
               </a:defRPr>
             </a:lvl1pPr>
           </a:lstStyle>
-          <a:p/>
+          <a:p>
+            <a:endParaRPr/>
+          </a:p>
         </p:txBody>
       </p:sp>
       <p:sp>
@@ -1421,7 +1474,9 @@
               </a:defRPr>
             </a:lvl1pPr>
           </a:lstStyle>
-          <a:p/>
+          <a:p>
+            <a:endParaRPr/>
+          </a:p>
         </p:txBody>
       </p:sp>
       <p:sp>
@@ -1461,6 +1516,7 @@
           <a:p>
             <a:fld id="{1D8BD707-D9CF-40AE-B4C6-C98DA3205C09}" type="datetimeFigureOut">
               <a:rPr lang="en-US"/>
+              <a:t>8/3/2023</a:t>
             </a:fld>
             <a:endParaRPr lang="en-US"/>
           </a:p>
@@ -1503,6 +1559,7 @@
           <a:p>
             <a:fld id="{B6F15528-21DE-4FAA-801E-634DDDAF4B2B}" type="slidenum">
               <a:rPr/>
+              <a:t>‹#›</a:t>
             </a:fld>
             <a:endParaRPr/>
           </a:p>
@@ -1687,7 +1744,7 @@
           <p:nvPr/>
         </p:nvPicPr>
         <p:blipFill>
-          <a:blip r:embed="rId1" cstate="print"/>
+          <a:blip r:embed="rId2" cstate="print"/>
           <a:stretch>
             <a:fillRect/>
           </a:stretch>
@@ -1709,7 +1766,7 @@
           <p:nvPr/>
         </p:nvPicPr>
         <p:blipFill>
-          <a:blip r:embed="rId2" cstate="print"/>
+          <a:blip r:embed="rId3" cstate="print"/>
           <a:stretch>
             <a:fillRect/>
           </a:stretch>
@@ -1731,7 +1788,7 @@
           <p:nvPr/>
         </p:nvPicPr>
         <p:blipFill>
-          <a:blip r:embed="rId3" cstate="print"/>
+          <a:blip r:embed="rId4" cstate="print"/>
           <a:stretch>
             <a:fillRect/>
           </a:stretch>
@@ -1759,9 +1816,11 @@
         <p:spPr/>
         <p:txBody>
           <a:bodyPr/>
+          <a:lstStyle/>
           <a:p>
             <a:fld id="{B6F15528-21DE-4FAA-801E-634DDDAF4B2B}" type="slidenum">
               <a:rPr/>
+              <a:t>1</a:t>
             </a:fld>
             <a:endParaRPr/>
           </a:p>
@@ -1805,6 +1864,7 @@
         <p:spPr/>
         <p:txBody>
           <a:bodyPr/>
+          <a:lstStyle/>
           <a:p>
             <a:endParaRPr lang="en-US"/>
           </a:p>
@@ -1869,7 +1929,9 @@
           <p:txBody>
             <a:bodyPr wrap="square" lIns="0" tIns="0" rIns="0" bIns="0" rtlCol="0"/>
             <a:lstStyle/>
-            <a:p/>
+            <a:p>
+              <a:endParaRPr/>
+            </a:p>
           </p:txBody>
         </p:sp>
         <p:sp>
@@ -1960,7 +2022,9 @@
           <p:txBody>
             <a:bodyPr wrap="square" lIns="0" tIns="0" rIns="0" bIns="0" rtlCol="0"/>
             <a:lstStyle/>
-            <a:p/>
+            <a:p>
+              <a:endParaRPr/>
+            </a:p>
           </p:txBody>
         </p:sp>
         <p:sp>
@@ -2051,7 +2115,9 @@
           <p:txBody>
             <a:bodyPr wrap="square" lIns="0" tIns="0" rIns="0" bIns="0" rtlCol="0"/>
             <a:lstStyle/>
-            <a:p/>
+            <a:p>
+              <a:endParaRPr/>
+            </a:p>
           </p:txBody>
         </p:sp>
         <p:sp>
@@ -2142,7 +2208,9 @@
           <p:txBody>
             <a:bodyPr wrap="square" lIns="0" tIns="0" rIns="0" bIns="0" rtlCol="0"/>
             <a:lstStyle/>
-            <a:p/>
+            <a:p>
+              <a:endParaRPr/>
+            </a:p>
           </p:txBody>
         </p:sp>
       </p:grpSp>
@@ -2159,6 +2227,7 @@
         <p:spPr/>
         <p:txBody>
           <a:bodyPr/>
+          <a:lstStyle/>
           <a:p>
             <a:endParaRPr lang="en-US"/>
           </a:p>
@@ -2768,9 +2837,11 @@
         <p:spPr/>
         <p:txBody>
           <a:bodyPr/>
+          <a:lstStyle/>
           <a:p>
             <a:fld id="{B6F15528-21DE-4FAA-801E-634DDDAF4B2B}" type="slidenum">
               <a:rPr/>
+              <a:t>10</a:t>
             </a:fld>
             <a:endParaRPr/>
           </a:p>
@@ -2779,7 +2850,9 @@
       <p:graphicFrame>
         <p:nvGraphicFramePr>
           <p:cNvPr id="43" name="Content Placeholder 42"/>
-          <p:cNvGraphicFramePr/>
+          <p:cNvGraphicFramePr>
+            <a:graphicFrameLocks noGrp="1"/>
+          </p:cNvGraphicFramePr>
           <p:nvPr>
             <p:ph sz="half" idx="2"/>
           </p:nvPr>
@@ -2792,12 +2865,12 @@
           <a:graphicData uri="http://schemas.openxmlformats.org/presentationml/2006/ole">
             <mc:AlternateContent xmlns:mc="http://schemas.openxmlformats.org/markup-compatibility/2006">
               <mc:Choice xmlns:v="urn:schemas-microsoft-com:vml" Requires="v">
-                <p:oleObj spid="_x0000_s44" name="" r:id="rId1" imgW="9639300" imgH="2181225" progId="Paint.Picture">
+                <p:oleObj r:id="rId2" imgW="9639300" imgH="2181225" progId="Paint.Picture">
                   <p:embed/>
                 </p:oleObj>
               </mc:Choice>
               <mc:Fallback>
-                <p:oleObj name="" r:id="rId1" imgW="9639300" imgH="2181225" progId="Paint.Picture">
+                <p:oleObj r:id="rId2" imgW="9639300" imgH="2181225" progId="Paint.Picture">
                   <p:embed/>
                   <p:pic>
                     <p:nvPicPr>
@@ -2806,7 +2879,7 @@
                       <p:nvPr/>
                     </p:nvPicPr>
                     <p:blipFill>
-                      <a:blip r:embed="rId2"/>
+                      <a:blip r:embed="rId3"/>
                       <a:stretch>
                         <a:fillRect/>
                       </a:stretch>
@@ -2865,6 +2938,7 @@
         <p:spPr/>
         <p:txBody>
           <a:bodyPr/>
+          <a:lstStyle/>
           <a:p>
             <a:endParaRPr lang="en-US"/>
           </a:p>
@@ -2929,7 +3003,9 @@
           <p:txBody>
             <a:bodyPr wrap="square" lIns="0" tIns="0" rIns="0" bIns="0" rtlCol="0"/>
             <a:lstStyle/>
-            <a:p/>
+            <a:p>
+              <a:endParaRPr/>
+            </a:p>
           </p:txBody>
         </p:sp>
         <p:sp>
@@ -3020,7 +3096,9 @@
           <p:txBody>
             <a:bodyPr wrap="square" lIns="0" tIns="0" rIns="0" bIns="0" rtlCol="0"/>
             <a:lstStyle/>
-            <a:p/>
+            <a:p>
+              <a:endParaRPr/>
+            </a:p>
           </p:txBody>
         </p:sp>
         <p:sp>
@@ -3111,7 +3189,9 @@
           <p:txBody>
             <a:bodyPr wrap="square" lIns="0" tIns="0" rIns="0" bIns="0" rtlCol="0"/>
             <a:lstStyle/>
-            <a:p/>
+            <a:p>
+              <a:endParaRPr/>
+            </a:p>
           </p:txBody>
         </p:sp>
       </p:grpSp>
@@ -3128,6 +3208,7 @@
         <p:spPr/>
         <p:txBody>
           <a:bodyPr/>
+          <a:lstStyle/>
           <a:p>
             <a:endParaRPr lang="en-US"/>
           </a:p>
@@ -3466,9 +3547,11 @@
         <p:spPr/>
         <p:txBody>
           <a:bodyPr/>
+          <a:lstStyle/>
           <a:p>
             <a:fld id="{B6F15528-21DE-4FAA-801E-634DDDAF4B2B}" type="slidenum">
               <a:rPr/>
+              <a:t>11</a:t>
             </a:fld>
             <a:endParaRPr/>
           </a:p>
@@ -3477,7 +3560,9 @@
       <p:graphicFrame>
         <p:nvGraphicFramePr>
           <p:cNvPr id="43" name="Content Placeholder 42"/>
-          <p:cNvGraphicFramePr/>
+          <p:cNvGraphicFramePr>
+            <a:graphicFrameLocks noGrp="1"/>
+          </p:cNvGraphicFramePr>
           <p:nvPr>
             <p:ph sz="half" idx="2"/>
           </p:nvPr>
@@ -3490,12 +3575,12 @@
           <a:graphicData uri="http://schemas.openxmlformats.org/presentationml/2006/ole">
             <mc:AlternateContent xmlns:mc="http://schemas.openxmlformats.org/markup-compatibility/2006">
               <mc:Choice xmlns:v="urn:schemas-microsoft-com:vml" Requires="v">
-                <p:oleObj spid="_x0000_s44" name="" r:id="rId1" imgW="9639300" imgH="2181225" progId="Paint.Picture">
+                <p:oleObj r:id="rId2" imgW="9639300" imgH="2181225" progId="Paint.Picture">
                   <p:embed/>
                 </p:oleObj>
               </mc:Choice>
               <mc:Fallback>
-                <p:oleObj name="" r:id="rId1" imgW="9639300" imgH="2181225" progId="Paint.Picture">
+                <p:oleObj r:id="rId2" imgW="9639300" imgH="2181225" progId="Paint.Picture">
                   <p:embed/>
                   <p:pic>
                     <p:nvPicPr>
@@ -3504,7 +3589,7 @@
                       <p:nvPr/>
                     </p:nvPicPr>
                     <p:blipFill>
-                      <a:blip r:embed="rId2"/>
+                      <a:blip r:embed="rId3"/>
                       <a:stretch>
                         <a:fillRect/>
                       </a:stretch>
@@ -3563,6 +3648,7 @@
         <p:spPr/>
         <p:txBody>
           <a:bodyPr/>
+          <a:lstStyle/>
           <a:p>
             <a:endParaRPr lang="en-US"/>
           </a:p>
@@ -3605,7 +3691,9 @@
         <p:txBody>
           <a:bodyPr wrap="square" lIns="0" tIns="0" rIns="0" bIns="0" rtlCol="0"/>
           <a:lstStyle/>
-          <a:p/>
+          <a:p>
+            <a:endParaRPr/>
+          </a:p>
         </p:txBody>
       </p:sp>
       <p:pic>
@@ -3615,7 +3703,7 @@
           <p:nvPr/>
         </p:nvPicPr>
         <p:blipFill>
-          <a:blip r:embed="rId1" cstate="print"/>
+          <a:blip r:embed="rId2" cstate="print"/>
           <a:stretch>
             <a:fillRect/>
           </a:stretch>
@@ -3637,7 +3725,7 @@
           <p:nvPr/>
         </p:nvPicPr>
         <p:blipFill>
-          <a:blip r:embed="rId2" cstate="print"/>
+          <a:blip r:embed="rId3" cstate="print"/>
           <a:stretch>
             <a:fillRect/>
           </a:stretch>
@@ -3659,7 +3747,7 @@
           <p:nvPr/>
         </p:nvPicPr>
         <p:blipFill>
-          <a:blip r:embed="rId3" cstate="print"/>
+          <a:blip r:embed="rId4" cstate="print"/>
           <a:stretch>
             <a:fillRect/>
           </a:stretch>
@@ -3751,7 +3839,7 @@
           <p:nvPr/>
         </p:nvPicPr>
         <p:blipFill>
-          <a:blip r:embed="rId4" cstate="print"/>
+          <a:blip r:embed="rId5" cstate="print"/>
           <a:stretch>
             <a:fillRect/>
           </a:stretch>
@@ -3773,7 +3861,7 @@
           <p:nvPr/>
         </p:nvPicPr>
         <p:blipFill>
-          <a:blip r:embed="rId5" cstate="print"/>
+          <a:blip r:embed="rId6" cstate="print"/>
           <a:stretch>
             <a:fillRect/>
           </a:stretch>
@@ -3795,7 +3883,7 @@
           <p:nvPr/>
         </p:nvPicPr>
         <p:blipFill>
-          <a:blip r:embed="rId6" cstate="print"/>
+          <a:blip r:embed="rId7" cstate="print"/>
           <a:stretch>
             <a:fillRect/>
           </a:stretch>
@@ -3823,9 +3911,11 @@
         <p:spPr/>
         <p:txBody>
           <a:bodyPr/>
+          <a:lstStyle/>
           <a:p>
             <a:fld id="{B6F15528-21DE-4FAA-801E-634DDDAF4B2B}" type="slidenum">
               <a:rPr/>
+              <a:t>12</a:t>
             </a:fld>
             <a:endParaRPr/>
           </a:p>
@@ -3835,14 +3925,14 @@
         <p:nvPicPr>
           <p:cNvPr id="32" name="Content Placeholder 31"/>
           <p:cNvPicPr>
-            <a:picLocks noChangeAspect="1"/>
+            <a:picLocks noGrp="1" noChangeAspect="1"/>
           </p:cNvPicPr>
           <p:nvPr>
             <p:ph sz="half" idx="2"/>
           </p:nvPr>
         </p:nvPicPr>
         <p:blipFill>
-          <a:blip r:embed="rId7"/>
+          <a:blip r:embed="rId8"/>
           <a:stretch>
             <a:fillRect/>
           </a:stretch>
@@ -3919,7 +4009,9 @@
         <p:txBody>
           <a:bodyPr wrap="square" lIns="0" tIns="0" rIns="0" bIns="0" rtlCol="0"/>
           <a:lstStyle/>
-          <a:p/>
+          <a:p>
+            <a:endParaRPr/>
+          </a:p>
         </p:txBody>
       </p:sp>
       <p:pic>
@@ -3929,7 +4021,7 @@
           <p:nvPr/>
         </p:nvPicPr>
         <p:blipFill>
-          <a:blip r:embed="rId1" cstate="print"/>
+          <a:blip r:embed="rId2" cstate="print"/>
           <a:stretch>
             <a:fillRect/>
           </a:stretch>
@@ -3951,7 +4043,7 @@
           <p:nvPr/>
         </p:nvPicPr>
         <p:blipFill>
-          <a:blip r:embed="rId2" cstate="print"/>
+          <a:blip r:embed="rId3" cstate="print"/>
           <a:stretch>
             <a:fillRect/>
           </a:stretch>
@@ -4067,7 +4159,7 @@
           <p:nvPr/>
         </p:nvPicPr>
         <p:blipFill>
-          <a:blip r:embed="rId3" cstate="print"/>
+          <a:blip r:embed="rId4" cstate="print"/>
           <a:stretch>
             <a:fillRect/>
           </a:stretch>
@@ -4089,7 +4181,7 @@
           <p:nvPr/>
         </p:nvPicPr>
         <p:blipFill>
-          <a:blip r:embed="rId4" cstate="print"/>
+          <a:blip r:embed="rId5" cstate="print"/>
           <a:stretch>
             <a:fillRect/>
           </a:stretch>
@@ -4125,7 +4217,7 @@
             <p:nvPr/>
           </p:nvPicPr>
           <p:blipFill>
-            <a:blip r:embed="rId5" cstate="print"/>
+            <a:blip r:embed="rId6" cstate="print"/>
             <a:stretch>
               <a:fillRect/>
             </a:stretch>
@@ -4147,7 +4239,7 @@
             <p:nvPr/>
           </p:nvPicPr>
           <p:blipFill>
-            <a:blip r:embed="rId6" cstate="print"/>
+            <a:blip r:embed="rId7" cstate="print"/>
             <a:stretch>
               <a:fillRect/>
             </a:stretch>
@@ -4170,7 +4262,7 @@
           <p:nvPr/>
         </p:nvPicPr>
         <p:blipFill>
-          <a:blip r:embed="rId7" cstate="print"/>
+          <a:blip r:embed="rId8" cstate="print"/>
           <a:stretch>
             <a:fillRect/>
           </a:stretch>
@@ -4472,9 +4564,11 @@
         <p:spPr/>
         <p:txBody>
           <a:bodyPr/>
+          <a:lstStyle/>
           <a:p>
             <a:fld id="{B6F15528-21DE-4FAA-801E-634DDDAF4B2B}" type="slidenum">
               <a:rPr/>
+              <a:t>13</a:t>
             </a:fld>
             <a:endParaRPr/>
           </a:p>
@@ -4550,7 +4644,9 @@
         <p:txBody>
           <a:bodyPr wrap="square" lIns="0" tIns="0" rIns="0" bIns="0" rtlCol="0"/>
           <a:lstStyle/>
-          <a:p/>
+          <a:p>
+            <a:endParaRPr/>
+          </a:p>
         </p:txBody>
       </p:sp>
       <p:sp>
@@ -5598,7 +5694,7 @@
           <p:nvPr/>
         </p:nvPicPr>
         <p:blipFill>
-          <a:blip r:embed="rId1" cstate="print"/>
+          <a:blip r:embed="rId2" cstate="print"/>
           <a:stretch>
             <a:fillRect/>
           </a:stretch>
@@ -5715,7 +5811,9 @@
         <p:txBody>
           <a:bodyPr wrap="square" lIns="0" tIns="0" rIns="0" bIns="0" rtlCol="0"/>
           <a:lstStyle/>
-          <a:p/>
+          <a:p>
+            <a:endParaRPr/>
+          </a:p>
         </p:txBody>
       </p:sp>
       <p:sp>
@@ -5787,7 +5885,9 @@
         <p:txBody>
           <a:bodyPr wrap="square" lIns="0" tIns="0" rIns="0" bIns="0" rtlCol="0"/>
           <a:lstStyle/>
-          <a:p/>
+          <a:p>
+            <a:endParaRPr/>
+          </a:p>
         </p:txBody>
       </p:sp>
       <p:sp>
@@ -5803,9 +5903,11 @@
         <p:spPr/>
         <p:txBody>
           <a:bodyPr/>
+          <a:lstStyle/>
           <a:p>
             <a:fld id="{B6F15528-21DE-4FAA-801E-634DDDAF4B2B}" type="slidenum">
               <a:rPr/>
+              <a:t>14</a:t>
             </a:fld>
             <a:endParaRPr/>
           </a:p>
@@ -5828,7 +5930,14 @@
         <p:cNvGrpSpPr/>
         <p:nvPr/>
       </p:nvGrpSpPr>
-      <p:grpSpPr/>
+      <p:grpSpPr>
+        <a:xfrm>
+          <a:off x="0" y="0"/>
+          <a:ext cx="0" cy="0"/>
+          <a:chOff x="0" y="0"/>
+          <a:chExt cx="0" cy="0"/>
+        </a:xfrm>
+      </p:grpSpPr>
       <p:sp>
         <p:nvSpPr>
           <p:cNvPr id="6" name="Title 5"/>
@@ -5842,6 +5951,7 @@
         <p:spPr/>
         <p:txBody>
           <a:bodyPr/>
+          <a:lstStyle/>
           <a:p>
             <a:endParaRPr lang="en-US"/>
           </a:p>
@@ -5860,9 +5970,11 @@
         <p:spPr/>
         <p:txBody>
           <a:bodyPr/>
+          <a:lstStyle/>
           <a:p>
             <a:fld id="{B6F15528-21DE-4FAA-801E-634DDDAF4B2B}" type="slidenum">
               <a:rPr/>
+              <a:t>15</a:t>
             </a:fld>
             <a:endParaRPr/>
           </a:p>
@@ -5881,6 +5993,7 @@
         <p:spPr/>
         <p:txBody>
           <a:bodyPr/>
+          <a:lstStyle/>
           <a:p>
             <a:endParaRPr lang="en-US"/>
           </a:p>
@@ -5890,14 +6003,14 @@
         <p:nvPicPr>
           <p:cNvPr id="5" name="Content Placeholder 4"/>
           <p:cNvPicPr>
-            <a:picLocks noChangeAspect="1"/>
+            <a:picLocks noGrp="1" noChangeAspect="1"/>
           </p:cNvPicPr>
           <p:nvPr>
             <p:ph sz="half" idx="2"/>
           </p:nvPr>
         </p:nvPicPr>
         <p:blipFill>
-          <a:blip r:embed="rId1"/>
+          <a:blip r:embed="rId2"/>
           <a:stretch>
             <a:fillRect/>
           </a:stretch>
@@ -5974,7 +6087,9 @@
         <p:txBody>
           <a:bodyPr wrap="square" lIns="0" tIns="0" rIns="0" bIns="0" rtlCol="0"/>
           <a:lstStyle/>
-          <a:p/>
+          <a:p>
+            <a:endParaRPr/>
+          </a:p>
         </p:txBody>
       </p:sp>
       <p:pic>
@@ -5984,7 +6099,7 @@
           <p:nvPr/>
         </p:nvPicPr>
         <p:blipFill>
-          <a:blip r:embed="rId1" cstate="print"/>
+          <a:blip r:embed="rId2" cstate="print"/>
           <a:stretch>
             <a:fillRect/>
           </a:stretch>
@@ -6006,7 +6121,7 @@
           <p:nvPr/>
         </p:nvPicPr>
         <p:blipFill>
-          <a:blip r:embed="rId2" cstate="print"/>
+          <a:blip r:embed="rId3" cstate="print"/>
           <a:stretch>
             <a:fillRect/>
           </a:stretch>
@@ -6074,7 +6189,7 @@
           <p:nvPr/>
         </p:nvPicPr>
         <p:blipFill>
-          <a:blip r:embed="rId3" cstate="print"/>
+          <a:blip r:embed="rId4" cstate="print"/>
           <a:stretch>
             <a:fillRect/>
           </a:stretch>
@@ -6096,7 +6211,7 @@
           <p:nvPr/>
         </p:nvPicPr>
         <p:blipFill>
-          <a:blip r:embed="rId4" cstate="print"/>
+          <a:blip r:embed="rId5" cstate="print"/>
           <a:stretch>
             <a:fillRect/>
           </a:stretch>
@@ -6188,7 +6303,7 @@
           <p:nvPr/>
         </p:nvPicPr>
         <p:blipFill>
-          <a:blip r:embed="rId5" cstate="print"/>
+          <a:blip r:embed="rId6" cstate="print"/>
           <a:stretch>
             <a:fillRect/>
           </a:stretch>
@@ -6224,7 +6339,7 @@
             <p:nvPr/>
           </p:nvPicPr>
           <p:blipFill>
-            <a:blip r:embed="rId6" cstate="print"/>
+            <a:blip r:embed="rId7" cstate="print"/>
             <a:stretch>
               <a:fillRect/>
             </a:stretch>
@@ -6246,7 +6361,7 @@
             <p:nvPr/>
           </p:nvPicPr>
           <p:blipFill>
-            <a:blip r:embed="rId7" cstate="print"/>
+            <a:blip r:embed="rId8" cstate="print"/>
             <a:stretch>
               <a:fillRect/>
             </a:stretch>
@@ -6269,7 +6384,7 @@
           <p:nvPr/>
         </p:nvPicPr>
         <p:blipFill>
-          <a:blip r:embed="rId8" cstate="print"/>
+          <a:blip r:embed="rId9" cstate="print"/>
           <a:stretch>
             <a:fillRect/>
           </a:stretch>
@@ -6297,9 +6412,11 @@
         <p:spPr/>
         <p:txBody>
           <a:bodyPr/>
+          <a:lstStyle/>
           <a:p>
             <a:fld id="{B6F15528-21DE-4FAA-801E-634DDDAF4B2B}" type="slidenum">
               <a:rPr/>
+              <a:t>16</a:t>
             </a:fld>
             <a:endParaRPr/>
           </a:p>
@@ -6375,7 +6492,9 @@
         <p:txBody>
           <a:bodyPr wrap="square" lIns="0" tIns="0" rIns="0" bIns="0" rtlCol="0"/>
           <a:lstStyle/>
-          <a:p/>
+          <a:p>
+            <a:endParaRPr/>
+          </a:p>
         </p:txBody>
       </p:sp>
       <p:sp>
@@ -6824,7 +6943,7 @@
             <p:nvPr/>
           </p:nvPicPr>
           <p:blipFill>
-            <a:blip r:embed="rId1" cstate="print"/>
+            <a:blip r:embed="rId2" cstate="print"/>
             <a:stretch>
               <a:fillRect/>
             </a:stretch>
@@ -6846,7 +6965,7 @@
             <p:nvPr/>
           </p:nvPicPr>
           <p:blipFill>
-            <a:blip r:embed="rId2" cstate="print"/>
+            <a:blip r:embed="rId3" cstate="print"/>
             <a:stretch>
               <a:fillRect/>
             </a:stretch>
@@ -6931,7 +7050,9 @@
         <p:txBody>
           <a:bodyPr wrap="square" lIns="0" tIns="0" rIns="0" bIns="0" rtlCol="0"/>
           <a:lstStyle/>
-          <a:p/>
+          <a:p>
+            <a:endParaRPr/>
+          </a:p>
         </p:txBody>
       </p:sp>
       <p:sp>
@@ -6947,9 +7068,11 @@
         <p:spPr/>
         <p:txBody>
           <a:bodyPr/>
+          <a:lstStyle/>
           <a:p>
             <a:fld id="{B6F15528-21DE-4FAA-801E-634DDDAF4B2B}" type="slidenum">
               <a:rPr/>
+              <a:t>17</a:t>
             </a:fld>
             <a:endParaRPr/>
           </a:p>
@@ -7017,7 +7140,9 @@
         <p:txBody>
           <a:bodyPr wrap="square" lIns="0" tIns="0" rIns="0" bIns="0" rtlCol="0"/>
           <a:lstStyle/>
-          <a:p/>
+          <a:p>
+            <a:endParaRPr/>
+          </a:p>
         </p:txBody>
       </p:sp>
       <p:pic>
@@ -7027,7 +7152,7 @@
           <p:nvPr/>
         </p:nvPicPr>
         <p:blipFill>
-          <a:blip r:embed="rId1" cstate="print"/>
+          <a:blip r:embed="rId2" cstate="print"/>
           <a:stretch>
             <a:fillRect/>
           </a:stretch>
@@ -7049,7 +7174,7 @@
           <p:nvPr/>
         </p:nvPicPr>
         <p:blipFill>
-          <a:blip r:embed="rId2" cstate="print"/>
+          <a:blip r:embed="rId3" cstate="print"/>
           <a:stretch>
             <a:fillRect/>
           </a:stretch>
@@ -7141,7 +7266,7 @@
           <p:nvPr/>
         </p:nvPicPr>
         <p:blipFill>
-          <a:blip r:embed="rId3" cstate="print"/>
+          <a:blip r:embed="rId4" cstate="print"/>
           <a:stretch>
             <a:fillRect/>
           </a:stretch>
@@ -7163,7 +7288,7 @@
           <p:nvPr/>
         </p:nvPicPr>
         <p:blipFill>
-          <a:blip r:embed="rId4" cstate="print"/>
+          <a:blip r:embed="rId5" cstate="print"/>
           <a:stretch>
             <a:fillRect/>
           </a:stretch>
@@ -7251,11 +7376,6 @@
               </a:rPr>
               <a:t>{</a:t>
             </a:r>
-            <a:endParaRPr dirty="0">
-              <a:solidFill>
-                <a:srgbClr val="404040"/>
-              </a:solidFill>
-            </a:endParaRPr>
           </a:p>
         </p:txBody>
       </p:sp>
@@ -7639,7 +7759,7 @@
           <p:nvPr/>
         </p:nvPicPr>
         <p:blipFill>
-          <a:blip r:embed="rId5" cstate="print"/>
+          <a:blip r:embed="rId6" cstate="print"/>
           <a:stretch>
             <a:fillRect/>
           </a:stretch>
@@ -7667,9 +7787,11 @@
         <p:spPr/>
         <p:txBody>
           <a:bodyPr/>
+          <a:lstStyle/>
           <a:p>
             <a:fld id="{B6F15528-21DE-4FAA-801E-634DDDAF4B2B}" type="slidenum">
               <a:rPr/>
+              <a:t>18</a:t>
             </a:fld>
             <a:endParaRPr/>
           </a:p>
@@ -7707,7 +7829,7 @@
           <p:nvPr/>
         </p:nvPicPr>
         <p:blipFill>
-          <a:blip r:embed="rId1" cstate="print"/>
+          <a:blip r:embed="rId2" cstate="print"/>
           <a:stretch>
             <a:fillRect/>
           </a:stretch>
@@ -7729,7 +7851,7 @@
           <p:nvPr/>
         </p:nvPicPr>
         <p:blipFill>
-          <a:blip r:embed="rId2" cstate="print"/>
+          <a:blip r:embed="rId3" cstate="print"/>
           <a:stretch>
             <a:fillRect/>
           </a:stretch>
@@ -7751,7 +7873,7 @@
           <p:nvPr/>
         </p:nvPicPr>
         <p:blipFill>
-          <a:blip r:embed="rId3" cstate="print"/>
+          <a:blip r:embed="rId4" cstate="print"/>
           <a:stretch>
             <a:fillRect/>
           </a:stretch>
@@ -7773,7 +7895,7 @@
           <p:nvPr/>
         </p:nvPicPr>
         <p:blipFill>
-          <a:blip r:embed="rId4" cstate="print"/>
+          <a:blip r:embed="rId5" cstate="print"/>
           <a:stretch>
             <a:fillRect/>
           </a:stretch>
@@ -7795,7 +7917,7 @@
           <p:nvPr/>
         </p:nvPicPr>
         <p:blipFill>
-          <a:blip r:embed="rId5" cstate="print"/>
+          <a:blip r:embed="rId6" cstate="print"/>
           <a:stretch>
             <a:fillRect/>
           </a:stretch>
@@ -7817,7 +7939,7 @@
           <p:nvPr/>
         </p:nvPicPr>
         <p:blipFill>
-          <a:blip r:embed="rId6" cstate="print"/>
+          <a:blip r:embed="rId7" cstate="print"/>
           <a:stretch>
             <a:fillRect/>
           </a:stretch>
@@ -7853,7 +7975,7 @@
             <p:nvPr/>
           </p:nvPicPr>
           <p:blipFill>
-            <a:blip r:embed="rId7" cstate="print"/>
+            <a:blip r:embed="rId8" cstate="print"/>
             <a:stretch>
               <a:fillRect/>
             </a:stretch>
@@ -7875,7 +7997,7 @@
             <p:nvPr/>
           </p:nvPicPr>
           <p:blipFill>
-            <a:blip r:embed="rId8" cstate="print"/>
+            <a:blip r:embed="rId9" cstate="print"/>
             <a:stretch>
               <a:fillRect/>
             </a:stretch>
@@ -7898,7 +8020,7 @@
           <p:nvPr/>
         </p:nvPicPr>
         <p:blipFill>
-          <a:blip r:embed="rId9" cstate="print"/>
+          <a:blip r:embed="rId10" cstate="print"/>
           <a:stretch>
             <a:fillRect/>
           </a:stretch>
@@ -7920,7 +8042,7 @@
           <p:nvPr/>
         </p:nvPicPr>
         <p:blipFill>
-          <a:blip r:embed="rId10" cstate="print"/>
+          <a:blip r:embed="rId11" cstate="print"/>
           <a:stretch>
             <a:fillRect/>
           </a:stretch>
@@ -7948,9 +8070,11 @@
         <p:spPr/>
         <p:txBody>
           <a:bodyPr/>
+          <a:lstStyle/>
           <a:p>
             <a:fld id="{B6F15528-21DE-4FAA-801E-634DDDAF4B2B}" type="slidenum">
               <a:rPr/>
+              <a:t>19</a:t>
             </a:fld>
             <a:endParaRPr/>
           </a:p>
@@ -7988,7 +8112,7 @@
           <p:nvPr/>
         </p:nvPicPr>
         <p:blipFill>
-          <a:blip r:embed="rId1" cstate="print"/>
+          <a:blip r:embed="rId2" cstate="print"/>
           <a:stretch>
             <a:fillRect/>
           </a:stretch>
@@ -8010,7 +8134,7 @@
           <p:nvPr/>
         </p:nvPicPr>
         <p:blipFill>
-          <a:blip r:embed="rId2" cstate="print"/>
+          <a:blip r:embed="rId3" cstate="print"/>
           <a:stretch>
             <a:fillRect/>
           </a:stretch>
@@ -8032,7 +8156,7 @@
           <p:nvPr/>
         </p:nvPicPr>
         <p:blipFill>
-          <a:blip r:embed="rId3" cstate="print"/>
+          <a:blip r:embed="rId4" cstate="print"/>
           <a:stretch>
             <a:fillRect/>
           </a:stretch>
@@ -8068,7 +8192,7 @@
             <p:nvPr/>
           </p:nvPicPr>
           <p:blipFill>
-            <a:blip r:embed="rId4" cstate="print"/>
+            <a:blip r:embed="rId5" cstate="print"/>
             <a:stretch>
               <a:fillRect/>
             </a:stretch>
@@ -8090,7 +8214,7 @@
             <p:nvPr/>
           </p:nvPicPr>
           <p:blipFill>
-            <a:blip r:embed="rId5" cstate="print"/>
+            <a:blip r:embed="rId6" cstate="print"/>
             <a:stretch>
               <a:fillRect/>
             </a:stretch>
@@ -8112,7 +8236,7 @@
             <p:nvPr/>
           </p:nvPicPr>
           <p:blipFill>
-            <a:blip r:embed="rId6" cstate="print"/>
+            <a:blip r:embed="rId7" cstate="print"/>
             <a:stretch>
               <a:fillRect/>
             </a:stretch>
@@ -8149,7 +8273,7 @@
             <p:nvPr/>
           </p:nvPicPr>
           <p:blipFill>
-            <a:blip r:embed="rId7" cstate="print"/>
+            <a:blip r:embed="rId8" cstate="print"/>
             <a:stretch>
               <a:fillRect/>
             </a:stretch>
@@ -8171,7 +8295,7 @@
             <p:nvPr/>
           </p:nvPicPr>
           <p:blipFill>
-            <a:blip r:embed="rId5" cstate="print"/>
+            <a:blip r:embed="rId6" cstate="print"/>
             <a:stretch>
               <a:fillRect/>
             </a:stretch>
@@ -8193,7 +8317,7 @@
             <p:nvPr/>
           </p:nvPicPr>
           <p:blipFill>
-            <a:blip r:embed="rId6" cstate="print"/>
+            <a:blip r:embed="rId7" cstate="print"/>
             <a:stretch>
               <a:fillRect/>
             </a:stretch>
@@ -8216,7 +8340,7 @@
           <p:nvPr/>
         </p:nvPicPr>
         <p:blipFill>
-          <a:blip r:embed="rId8" cstate="print"/>
+          <a:blip r:embed="rId9" cstate="print"/>
           <a:stretch>
             <a:fillRect/>
           </a:stretch>
@@ -8238,7 +8362,7 @@
           <p:nvPr/>
         </p:nvPicPr>
         <p:blipFill>
-          <a:blip r:embed="rId9" cstate="print"/>
+          <a:blip r:embed="rId10" cstate="print"/>
           <a:stretch>
             <a:fillRect/>
           </a:stretch>
@@ -8260,7 +8384,7 @@
           <p:nvPr/>
         </p:nvPicPr>
         <p:blipFill>
-          <a:blip r:embed="rId10" cstate="print"/>
+          <a:blip r:embed="rId11" cstate="print"/>
           <a:stretch>
             <a:fillRect/>
           </a:stretch>
@@ -8282,7 +8406,7 @@
           <p:nvPr/>
         </p:nvPicPr>
         <p:blipFill>
-          <a:blip r:embed="rId11" cstate="print"/>
+          <a:blip r:embed="rId12" cstate="print"/>
           <a:stretch>
             <a:fillRect/>
           </a:stretch>
@@ -8310,9 +8434,11 @@
         <p:spPr/>
         <p:txBody>
           <a:bodyPr/>
+          <a:lstStyle/>
           <a:p>
             <a:fld id="{B6F15528-21DE-4FAA-801E-634DDDAF4B2B}" type="slidenum">
               <a:rPr/>
+              <a:t>2</a:t>
             </a:fld>
             <a:endParaRPr/>
           </a:p>
@@ -8350,7 +8476,7 @@
           <p:nvPr/>
         </p:nvPicPr>
         <p:blipFill>
-          <a:blip r:embed="rId1" cstate="print"/>
+          <a:blip r:embed="rId2" cstate="print"/>
           <a:stretch>
             <a:fillRect/>
           </a:stretch>
@@ -8372,7 +8498,7 @@
           <p:nvPr/>
         </p:nvPicPr>
         <p:blipFill>
-          <a:blip r:embed="rId2" cstate="print"/>
+          <a:blip r:embed="rId3" cstate="print"/>
           <a:stretch>
             <a:fillRect/>
           </a:stretch>
@@ -8440,7 +8566,7 @@
           <p:nvPr/>
         </p:nvPicPr>
         <p:blipFill>
-          <a:blip r:embed="rId3" cstate="print"/>
+          <a:blip r:embed="rId4" cstate="print"/>
           <a:stretch>
             <a:fillRect/>
           </a:stretch>
@@ -8476,7 +8602,7 @@
             <p:nvPr/>
           </p:nvPicPr>
           <p:blipFill>
-            <a:blip r:embed="rId4" cstate="print"/>
+            <a:blip r:embed="rId5" cstate="print"/>
             <a:stretch>
               <a:fillRect/>
             </a:stretch>
@@ -8498,7 +8624,7 @@
             <p:nvPr/>
           </p:nvPicPr>
           <p:blipFill>
-            <a:blip r:embed="rId5" cstate="print"/>
+            <a:blip r:embed="rId6" cstate="print"/>
             <a:stretch>
               <a:fillRect/>
             </a:stretch>
@@ -8520,7 +8646,7 @@
             <p:nvPr/>
           </p:nvPicPr>
           <p:blipFill>
-            <a:blip r:embed="rId6" cstate="print"/>
+            <a:blip r:embed="rId7" cstate="print"/>
             <a:stretch>
               <a:fillRect/>
             </a:stretch>
@@ -8637,7 +8763,7 @@
           <p:nvPr/>
         </p:nvPicPr>
         <p:blipFill>
-          <a:blip r:embed="rId7" cstate="print"/>
+          <a:blip r:embed="rId8" cstate="print"/>
           <a:stretch>
             <a:fillRect/>
           </a:stretch>
@@ -8659,7 +8785,7 @@
           <p:nvPr/>
         </p:nvPicPr>
         <p:blipFill>
-          <a:blip r:embed="rId8" cstate="print"/>
+          <a:blip r:embed="rId9" cstate="print"/>
           <a:stretch>
             <a:fillRect/>
           </a:stretch>
@@ -8695,7 +8821,7 @@
             <p:nvPr/>
           </p:nvPicPr>
           <p:blipFill>
-            <a:blip r:embed="rId9" cstate="print"/>
+            <a:blip r:embed="rId10" cstate="print"/>
             <a:stretch>
               <a:fillRect/>
             </a:stretch>
@@ -8717,7 +8843,7 @@
             <p:nvPr/>
           </p:nvPicPr>
           <p:blipFill>
-            <a:blip r:embed="rId10" cstate="print"/>
+            <a:blip r:embed="rId11" cstate="print"/>
             <a:stretch>
               <a:fillRect/>
             </a:stretch>
@@ -8739,7 +8865,7 @@
             <p:nvPr/>
           </p:nvPicPr>
           <p:blipFill>
-            <a:blip r:embed="rId11" cstate="print"/>
+            <a:blip r:embed="rId12" cstate="print"/>
             <a:stretch>
               <a:fillRect/>
             </a:stretch>
@@ -8762,7 +8888,7 @@
           <p:nvPr/>
         </p:nvPicPr>
         <p:blipFill>
-          <a:blip r:embed="rId12" cstate="print"/>
+          <a:blip r:embed="rId13" cstate="print"/>
           <a:stretch>
             <a:fillRect/>
           </a:stretch>
@@ -8790,9 +8916,11 @@
         <p:spPr/>
         <p:txBody>
           <a:bodyPr/>
+          <a:lstStyle/>
           <a:p>
             <a:fld id="{B6F15528-21DE-4FAA-801E-634DDDAF4B2B}" type="slidenum">
               <a:rPr/>
+              <a:t>20</a:t>
             </a:fld>
             <a:endParaRPr/>
           </a:p>
@@ -8830,7 +8958,7 @@
           <p:nvPr/>
         </p:nvPicPr>
         <p:blipFill>
-          <a:blip r:embed="rId1" cstate="print"/>
+          <a:blip r:embed="rId2" cstate="print"/>
           <a:stretch>
             <a:fillRect/>
           </a:stretch>
@@ -8852,7 +8980,7 @@
           <p:nvPr/>
         </p:nvPicPr>
         <p:blipFill>
-          <a:blip r:embed="rId2" cstate="print"/>
+          <a:blip r:embed="rId3" cstate="print"/>
           <a:stretch>
             <a:fillRect/>
           </a:stretch>
@@ -8920,7 +9048,7 @@
           <p:nvPr/>
         </p:nvPicPr>
         <p:blipFill>
-          <a:blip r:embed="rId3" cstate="print"/>
+          <a:blip r:embed="rId4" cstate="print"/>
           <a:stretch>
             <a:fillRect/>
           </a:stretch>
@@ -8942,7 +9070,7 @@
           <p:nvPr/>
         </p:nvPicPr>
         <p:blipFill>
-          <a:blip r:embed="rId4" cstate="print"/>
+          <a:blip r:embed="rId5" cstate="print"/>
           <a:stretch>
             <a:fillRect/>
           </a:stretch>
@@ -9024,7 +9152,7 @@
             <p:nvPr/>
           </p:nvPicPr>
           <p:blipFill>
-            <a:blip r:embed="rId5" cstate="print"/>
+            <a:blip r:embed="rId6" cstate="print"/>
             <a:stretch>
               <a:fillRect/>
             </a:stretch>
@@ -9046,7 +9174,7 @@
             <p:nvPr/>
           </p:nvPicPr>
           <p:blipFill>
-            <a:blip r:embed="rId6" cstate="print"/>
+            <a:blip r:embed="rId7" cstate="print"/>
             <a:stretch>
               <a:fillRect/>
             </a:stretch>
@@ -9069,7 +9197,7 @@
           <p:nvPr/>
         </p:nvPicPr>
         <p:blipFill>
-          <a:blip r:embed="rId7" cstate="print"/>
+          <a:blip r:embed="rId8" cstate="print"/>
           <a:stretch>
             <a:fillRect/>
           </a:stretch>
@@ -9161,7 +9289,7 @@
           <p:nvPr/>
         </p:nvPicPr>
         <p:blipFill>
-          <a:blip r:embed="rId8" cstate="print"/>
+          <a:blip r:embed="rId9" cstate="print"/>
           <a:stretch>
             <a:fillRect/>
           </a:stretch>
@@ -9183,7 +9311,7 @@
           <p:nvPr/>
         </p:nvPicPr>
         <p:blipFill>
-          <a:blip r:embed="rId9" cstate="print"/>
+          <a:blip r:embed="rId10" cstate="print"/>
           <a:stretch>
             <a:fillRect/>
           </a:stretch>
@@ -9205,7 +9333,7 @@
           <p:nvPr/>
         </p:nvPicPr>
         <p:blipFill>
-          <a:blip r:embed="rId10" cstate="print"/>
+          <a:blip r:embed="rId11" cstate="print"/>
           <a:stretch>
             <a:fillRect/>
           </a:stretch>
@@ -9233,9 +9361,11 @@
         <p:spPr/>
         <p:txBody>
           <a:bodyPr/>
+          <a:lstStyle/>
           <a:p>
             <a:fld id="{B6F15528-21DE-4FAA-801E-634DDDAF4B2B}" type="slidenum">
               <a:rPr/>
+              <a:t>21</a:t>
             </a:fld>
             <a:endParaRPr/>
           </a:p>
@@ -9273,7 +9403,7 @@
           <p:nvPr/>
         </p:nvPicPr>
         <p:blipFill>
-          <a:blip r:embed="rId1" cstate="print"/>
+          <a:blip r:embed="rId2" cstate="print"/>
           <a:stretch>
             <a:fillRect/>
           </a:stretch>
@@ -9295,7 +9425,7 @@
           <p:nvPr/>
         </p:nvPicPr>
         <p:blipFill>
-          <a:blip r:embed="rId2" cstate="print"/>
+          <a:blip r:embed="rId3" cstate="print"/>
           <a:stretch>
             <a:fillRect/>
           </a:stretch>
@@ -9387,7 +9517,7 @@
           <p:nvPr/>
         </p:nvPicPr>
         <p:blipFill>
-          <a:blip r:embed="rId3" cstate="print"/>
+          <a:blip r:embed="rId4" cstate="print"/>
           <a:stretch>
             <a:fillRect/>
           </a:stretch>
@@ -9423,7 +9553,7 @@
             <p:nvPr/>
           </p:nvPicPr>
           <p:blipFill>
-            <a:blip r:embed="rId4" cstate="print"/>
+            <a:blip r:embed="rId5" cstate="print"/>
             <a:stretch>
               <a:fillRect/>
             </a:stretch>
@@ -9445,7 +9575,7 @@
             <p:nvPr/>
           </p:nvPicPr>
           <p:blipFill>
-            <a:blip r:embed="rId5" cstate="print"/>
+            <a:blip r:embed="rId6" cstate="print"/>
             <a:stretch>
               <a:fillRect/>
             </a:stretch>
@@ -9468,7 +9598,7 @@
           <p:nvPr/>
         </p:nvPicPr>
         <p:blipFill>
-          <a:blip r:embed="rId6" cstate="print"/>
+          <a:blip r:embed="rId7" cstate="print"/>
           <a:stretch>
             <a:fillRect/>
           </a:stretch>
@@ -9584,7 +9714,7 @@
           <p:nvPr/>
         </p:nvPicPr>
         <p:blipFill>
-          <a:blip r:embed="rId7" cstate="print"/>
+          <a:blip r:embed="rId8" cstate="print"/>
           <a:stretch>
             <a:fillRect/>
           </a:stretch>
@@ -9606,7 +9736,7 @@
           <p:nvPr/>
         </p:nvPicPr>
         <p:blipFill>
-          <a:blip r:embed="rId8" cstate="print"/>
+          <a:blip r:embed="rId9" cstate="print"/>
           <a:stretch>
             <a:fillRect/>
           </a:stretch>
@@ -9628,7 +9758,7 @@
           <p:nvPr/>
         </p:nvPicPr>
         <p:blipFill>
-          <a:blip r:embed="rId9" cstate="print"/>
+          <a:blip r:embed="rId10" cstate="print"/>
           <a:stretch>
             <a:fillRect/>
           </a:stretch>
@@ -9650,7 +9780,7 @@
           <p:nvPr/>
         </p:nvPicPr>
         <p:blipFill>
-          <a:blip r:embed="rId10" cstate="print"/>
+          <a:blip r:embed="rId11" cstate="print"/>
           <a:stretch>
             <a:fillRect/>
           </a:stretch>
@@ -9678,9 +9808,11 @@
         <p:spPr/>
         <p:txBody>
           <a:bodyPr/>
+          <a:lstStyle/>
           <a:p>
             <a:fld id="{B6F15528-21DE-4FAA-801E-634DDDAF4B2B}" type="slidenum">
               <a:rPr/>
+              <a:t>22</a:t>
             </a:fld>
             <a:endParaRPr/>
           </a:p>
@@ -9748,7 +9880,9 @@
         <p:txBody>
           <a:bodyPr wrap="square" lIns="0" tIns="0" rIns="0" bIns="0" rtlCol="0"/>
           <a:lstStyle/>
-          <a:p/>
+          <a:p>
+            <a:endParaRPr/>
+          </a:p>
         </p:txBody>
       </p:sp>
       <p:pic>
@@ -9758,7 +9892,7 @@
           <p:nvPr/>
         </p:nvPicPr>
         <p:blipFill>
-          <a:blip r:embed="rId1" cstate="print"/>
+          <a:blip r:embed="rId2" cstate="print"/>
           <a:stretch>
             <a:fillRect/>
           </a:stretch>
@@ -9780,7 +9914,7 @@
           <p:nvPr/>
         </p:nvPicPr>
         <p:blipFill>
-          <a:blip r:embed="rId2" cstate="print"/>
+          <a:blip r:embed="rId3" cstate="print"/>
           <a:stretch>
             <a:fillRect/>
           </a:stretch>
@@ -9872,7 +10006,7 @@
           <p:nvPr/>
         </p:nvPicPr>
         <p:blipFill>
-          <a:blip r:embed="rId3" cstate="print"/>
+          <a:blip r:embed="rId4" cstate="print"/>
           <a:stretch>
             <a:fillRect/>
           </a:stretch>
@@ -9894,7 +10028,7 @@
           <p:nvPr/>
         </p:nvPicPr>
         <p:blipFill>
-          <a:blip r:embed="rId4" cstate="print"/>
+          <a:blip r:embed="rId5" cstate="print"/>
           <a:stretch>
             <a:fillRect/>
           </a:stretch>
@@ -9916,7 +10050,7 @@
           <p:nvPr/>
         </p:nvPicPr>
         <p:blipFill>
-          <a:blip r:embed="rId5" cstate="print"/>
+          <a:blip r:embed="rId6" cstate="print"/>
           <a:stretch>
             <a:fillRect/>
           </a:stretch>
@@ -9944,9 +10078,11 @@
         <p:spPr/>
         <p:txBody>
           <a:bodyPr/>
+          <a:lstStyle/>
           <a:p>
             <a:fld id="{B6F15528-21DE-4FAA-801E-634DDDAF4B2B}" type="slidenum">
               <a:rPr/>
+              <a:t>3</a:t>
             </a:fld>
             <a:endParaRPr/>
           </a:p>
@@ -9990,6 +10126,7 @@
         <p:spPr/>
         <p:txBody>
           <a:bodyPr/>
+          <a:lstStyle/>
           <a:p>
             <a:endParaRPr lang="en-US"/>
           </a:p>
@@ -10002,7 +10139,7 @@
           <p:nvPr/>
         </p:nvPicPr>
         <p:blipFill>
-          <a:blip r:embed="rId1" cstate="print"/>
+          <a:blip r:embed="rId2" cstate="print"/>
           <a:stretch>
             <a:fillRect/>
           </a:stretch>
@@ -10017,24 +10154,6 @@
           </a:prstGeom>
         </p:spPr>
       </p:pic>
-      <p:sp>
-        <p:nvSpPr>
-          <p:cNvPr id="90" name="Content Placeholder 89"/>
-          <p:cNvSpPr>
-            <a:spLocks noGrp="1"/>
-          </p:cNvSpPr>
-          <p:nvPr>
-            <p:ph sz="half" idx="3"/>
-          </p:nvPr>
-        </p:nvSpPr>
-        <p:spPr/>
-        <p:txBody>
-          <a:bodyPr/>
-          <a:p>
-            <a:endParaRPr lang="en-US"/>
-          </a:p>
-        </p:txBody>
-      </p:sp>
       <p:sp>
         <p:nvSpPr>
           <p:cNvPr id="87" name="Slide Number Placeholder 86"/>
@@ -10048,9 +10167,11 @@
         <p:spPr/>
         <p:txBody>
           <a:bodyPr/>
+          <a:lstStyle/>
           <a:p>
             <a:fld id="{B6F15528-21DE-4FAA-801E-634DDDAF4B2B}" type="slidenum">
               <a:rPr/>
+              <a:t>4</a:t>
             </a:fld>
             <a:endParaRPr/>
           </a:p>
@@ -10060,14 +10181,14 @@
         <p:nvPicPr>
           <p:cNvPr id="88" name="Content Placeholder 87"/>
           <p:cNvPicPr>
-            <a:picLocks noChangeAspect="1"/>
+            <a:picLocks noGrp="1" noChangeAspect="1"/>
           </p:cNvPicPr>
           <p:nvPr>
             <p:ph sz="half" idx="2"/>
           </p:nvPr>
         </p:nvPicPr>
         <p:blipFill>
-          <a:blip r:embed="rId2"/>
+          <a:blip r:embed="rId3"/>
           <a:stretch>
             <a:fillRect/>
           </a:stretch>
@@ -10152,7 +10273,9 @@
         <p:txBody>
           <a:bodyPr wrap="square" lIns="0" tIns="0" rIns="0" bIns="0" rtlCol="0"/>
           <a:lstStyle/>
-          <a:p/>
+          <a:p>
+            <a:endParaRPr/>
+          </a:p>
         </p:txBody>
       </p:sp>
       <p:graphicFrame>
@@ -10165,7 +10288,7 @@
         </p:nvGraphicFramePr>
         <p:xfrm>
           <a:off x="343154" y="1103069"/>
-          <a:ext cx="7685405" cy="1403350"/>
+          <a:ext cx="7684768" cy="1403112"/>
         </p:xfrm>
         <a:graphic>
           <a:graphicData uri="http://schemas.openxmlformats.org/drawingml/2006/table">
@@ -10174,13 +10297,55 @@
                 <a:tableStyleId>{2D5ABB26-0587-4C30-8999-92F81FD0307C}</a:tableStyleId>
               </a:tblPr>
               <a:tblGrid>
-                <a:gridCol w="565150"/>
-                <a:gridCol w="1371600"/>
-                <a:gridCol w="2743200"/>
-                <a:gridCol w="305435"/>
-                <a:gridCol w="1371600"/>
-                <a:gridCol w="1066799"/>
-                <a:gridCol w="260984"/>
+                <a:gridCol w="565150">
+                  <a:extLst>
+                    <a:ext uri="{9D8B030D-6E8A-4147-A177-3AD203B41FA5}">
+                      <a16:colId xmlns:a16="http://schemas.microsoft.com/office/drawing/2014/main" val="20000"/>
+                    </a:ext>
+                  </a:extLst>
+                </a:gridCol>
+                <a:gridCol w="1371600">
+                  <a:extLst>
+                    <a:ext uri="{9D8B030D-6E8A-4147-A177-3AD203B41FA5}">
+                      <a16:colId xmlns:a16="http://schemas.microsoft.com/office/drawing/2014/main" val="20001"/>
+                    </a:ext>
+                  </a:extLst>
+                </a:gridCol>
+                <a:gridCol w="2743200">
+                  <a:extLst>
+                    <a:ext uri="{9D8B030D-6E8A-4147-A177-3AD203B41FA5}">
+                      <a16:colId xmlns:a16="http://schemas.microsoft.com/office/drawing/2014/main" val="20002"/>
+                    </a:ext>
+                  </a:extLst>
+                </a:gridCol>
+                <a:gridCol w="305435">
+                  <a:extLst>
+                    <a:ext uri="{9D8B030D-6E8A-4147-A177-3AD203B41FA5}">
+                      <a16:colId xmlns:a16="http://schemas.microsoft.com/office/drawing/2014/main" val="20003"/>
+                    </a:ext>
+                  </a:extLst>
+                </a:gridCol>
+                <a:gridCol w="1371600">
+                  <a:extLst>
+                    <a:ext uri="{9D8B030D-6E8A-4147-A177-3AD203B41FA5}">
+                      <a16:colId xmlns:a16="http://schemas.microsoft.com/office/drawing/2014/main" val="20004"/>
+                    </a:ext>
+                  </a:extLst>
+                </a:gridCol>
+                <a:gridCol w="1066799">
+                  <a:extLst>
+                    <a:ext uri="{9D8B030D-6E8A-4147-A177-3AD203B41FA5}">
+                      <a16:colId xmlns:a16="http://schemas.microsoft.com/office/drawing/2014/main" val="20005"/>
+                    </a:ext>
+                  </a:extLst>
+                </a:gridCol>
+                <a:gridCol w="260984">
+                  <a:extLst>
+                    <a:ext uri="{9D8B030D-6E8A-4147-A177-3AD203B41FA5}">
+                      <a16:colId xmlns:a16="http://schemas.microsoft.com/office/drawing/2014/main" val="20006"/>
+                    </a:ext>
+                  </a:extLst>
+                </a:gridCol>
               </a:tblGrid>
               <a:tr h="435016">
                 <a:tc>
@@ -10331,14 +10496,40 @@
                   </a:tcPr>
                 </a:tc>
                 <a:tc hMerge="1">
+                  <a:txBody>
+                    <a:bodyPr/>
+                    <a:lstStyle/>
+                    <a:p>
+                      <a:endParaRPr lang="en-US"/>
+                    </a:p>
+                  </a:txBody>
                   <a:tcPr marL="0" marR="0" marT="0" marB="0"/>
                 </a:tc>
                 <a:tc hMerge="1">
+                  <a:txBody>
+                    <a:bodyPr/>
+                    <a:lstStyle/>
+                    <a:p>
+                      <a:endParaRPr lang="en-US"/>
+                    </a:p>
+                  </a:txBody>
                   <a:tcPr marL="0" marR="0" marT="0" marB="0"/>
                 </a:tc>
                 <a:tc hMerge="1">
+                  <a:txBody>
+                    <a:bodyPr/>
+                    <a:lstStyle/>
+                    <a:p>
+                      <a:endParaRPr lang="en-US"/>
+                    </a:p>
+                  </a:txBody>
                   <a:tcPr marL="0" marR="0" marT="0" marB="0"/>
                 </a:tc>
+                <a:extLst>
+                  <a:ext uri="{0D108BD9-81ED-4DB2-BD59-A6C34878D82A}">
+                    <a16:rowId xmlns:a16="http://schemas.microsoft.com/office/drawing/2014/main" val="10000"/>
+                  </a:ext>
+                </a:extLst>
               </a:tr>
               <a:tr h="533326">
                 <a:tc>
@@ -10554,6 +10745,11 @@
                     </a:solidFill>
                   </a:tcPr>
                 </a:tc>
+                <a:extLst>
+                  <a:ext uri="{0D108BD9-81ED-4DB2-BD59-A6C34878D82A}">
+                    <a16:rowId xmlns:a16="http://schemas.microsoft.com/office/drawing/2014/main" val="10001"/>
+                  </a:ext>
+                </a:extLst>
               </a:tr>
               <a:tr h="434770">
                 <a:tc>
@@ -10881,6 +11077,11 @@
                     </a:solidFill>
                   </a:tcPr>
                 </a:tc>
+                <a:extLst>
+                  <a:ext uri="{0D108BD9-81ED-4DB2-BD59-A6C34878D82A}">
+                    <a16:rowId xmlns:a16="http://schemas.microsoft.com/office/drawing/2014/main" val="10002"/>
+                  </a:ext>
+                </a:extLst>
               </a:tr>
             </a:tbl>
           </a:graphicData>
@@ -10967,11 +11168,6 @@
               </a:rPr>
               <a:t> 7</a:t>
             </a:r>
-            <a:endParaRPr dirty="0">
-              <a:solidFill>
-                <a:srgbClr val="2A9FBB"/>
-              </a:solidFill>
-            </a:endParaRPr>
           </a:p>
         </p:txBody>
       </p:sp>
@@ -10982,7 +11178,7 @@
           <p:nvPr/>
         </p:nvPicPr>
         <p:blipFill>
-          <a:blip r:embed="rId1" cstate="print"/>
+          <a:blip r:embed="rId2" cstate="print"/>
           <a:stretch>
             <a:fillRect/>
           </a:stretch>
@@ -11004,7 +11200,7 @@
           <p:nvPr/>
         </p:nvPicPr>
         <p:blipFill>
-          <a:blip r:embed="rId2" cstate="print"/>
+          <a:blip r:embed="rId3" cstate="print"/>
           <a:stretch>
             <a:fillRect/>
           </a:stretch>
@@ -11168,27 +11364,7 @@
                 <a:latin typeface="Courier New" panose="02070309020205020404"/>
                 <a:cs typeface="Courier New" panose="02070309020205020404"/>
               </a:rPr>
-              <a:t>true</a:t>
-            </a:r>
-            <a:r>
-              <a:rPr sz="2000" spc="-5" dirty="0">
-                <a:solidFill>
-                  <a:srgbClr val="2A9FBB"/>
-                </a:solidFill>
-                <a:latin typeface="Courier New" panose="02070309020205020404"/>
-                <a:cs typeface="Courier New" panose="02070309020205020404"/>
-              </a:rPr>
-              <a:t>-</a:t>
-            </a:r>
-            <a:r>
-              <a:rPr sz="2000" spc="-5" dirty="0">
-                <a:solidFill>
-                  <a:srgbClr val="2A9FBB"/>
-                </a:solidFill>
-                <a:latin typeface="Courier New" panose="02070309020205020404"/>
-                <a:cs typeface="Courier New" panose="02070309020205020404"/>
-              </a:rPr>
-              <a:t>value</a:t>
+              <a:t>true-value</a:t>
             </a:r>
             <a:endParaRPr sz="2000">
               <a:latin typeface="Courier New" panose="02070309020205020404"/>
@@ -11320,27 +11496,7 @@
                 <a:latin typeface="Courier New" panose="02070309020205020404"/>
                 <a:cs typeface="Courier New" panose="02070309020205020404"/>
               </a:rPr>
-              <a:t>e</a:t>
-            </a:r>
-            <a:r>
-              <a:rPr sz="2000" spc="-5" dirty="0">
-                <a:solidFill>
-                  <a:srgbClr val="9BC750"/>
-                </a:solidFill>
-                <a:latin typeface="Courier New" panose="02070309020205020404"/>
-                <a:cs typeface="Courier New" panose="02070309020205020404"/>
-              </a:rPr>
-              <a:t>-</a:t>
-            </a:r>
-            <a:r>
-              <a:rPr sz="2000" spc="-5" dirty="0">
-                <a:solidFill>
-                  <a:srgbClr val="9BC750"/>
-                </a:solidFill>
-                <a:latin typeface="Courier New" panose="02070309020205020404"/>
-                <a:cs typeface="Courier New" panose="02070309020205020404"/>
-              </a:rPr>
-              <a:t>value</a:t>
+              <a:t>e-value</a:t>
             </a:r>
             <a:endParaRPr sz="2000">
               <a:latin typeface="Courier New" panose="02070309020205020404"/>
@@ -11440,7 +11596,9 @@
         <p:txBody>
           <a:bodyPr wrap="square" lIns="0" tIns="0" rIns="0" bIns="0" rtlCol="0"/>
           <a:lstStyle/>
-          <a:p/>
+          <a:p>
+            <a:endParaRPr/>
+          </a:p>
         </p:txBody>
       </p:sp>
       <p:sp>
@@ -11488,7 +11646,9 @@
         <p:txBody>
           <a:bodyPr wrap="square" lIns="0" tIns="0" rIns="0" bIns="0" rtlCol="0"/>
           <a:lstStyle/>
-          <a:p/>
+          <a:p>
+            <a:endParaRPr/>
+          </a:p>
         </p:txBody>
       </p:sp>
       <p:sp>
@@ -11536,7 +11696,9 @@
         <p:txBody>
           <a:bodyPr wrap="square" lIns="0" tIns="0" rIns="0" bIns="0" rtlCol="0"/>
           <a:lstStyle/>
-          <a:p/>
+          <a:p>
+            <a:endParaRPr/>
+          </a:p>
         </p:txBody>
       </p:sp>
       <p:sp>
@@ -11602,7 +11764,9 @@
         <p:txBody>
           <a:bodyPr wrap="square" lIns="0" tIns="0" rIns="0" bIns="0" rtlCol="0"/>
           <a:lstStyle/>
-          <a:p/>
+          <a:p>
+            <a:endParaRPr/>
+          </a:p>
         </p:txBody>
       </p:sp>
       <p:sp>
@@ -11650,7 +11814,9 @@
         <p:txBody>
           <a:bodyPr wrap="square" lIns="0" tIns="0" rIns="0" bIns="0" rtlCol="0"/>
           <a:lstStyle/>
-          <a:p/>
+          <a:p>
+            <a:endParaRPr/>
+          </a:p>
         </p:txBody>
       </p:sp>
       <p:sp>
@@ -11698,7 +11864,9 @@
         <p:txBody>
           <a:bodyPr wrap="square" lIns="0" tIns="0" rIns="0" bIns="0" rtlCol="0"/>
           <a:lstStyle/>
-          <a:p/>
+          <a:p>
+            <a:endParaRPr/>
+          </a:p>
         </p:txBody>
       </p:sp>
       <p:sp>
@@ -11714,9 +11882,11 @@
         <p:spPr/>
         <p:txBody>
           <a:bodyPr/>
+          <a:lstStyle/>
           <a:p>
             <a:fld id="{B6F15528-21DE-4FAA-801E-634DDDAF4B2B}" type="slidenum">
               <a:rPr/>
+              <a:t>5</a:t>
             </a:fld>
             <a:endParaRPr/>
           </a:p>
@@ -11726,14 +11896,14 @@
         <p:nvPicPr>
           <p:cNvPr id="21" name="Content Placeholder 20"/>
           <p:cNvPicPr>
-            <a:picLocks noChangeAspect="1"/>
+            <a:picLocks noGrp="1" noChangeAspect="1"/>
           </p:cNvPicPr>
           <p:nvPr>
             <p:ph sz="half" idx="2"/>
           </p:nvPr>
         </p:nvPicPr>
         <p:blipFill>
-          <a:blip r:embed="rId3"/>
+          <a:blip r:embed="rId4"/>
           <a:stretch>
             <a:fillRect/>
           </a:stretch>
@@ -11818,7 +11988,9 @@
         <p:txBody>
           <a:bodyPr wrap="square" lIns="0" tIns="0" rIns="0" bIns="0" rtlCol="0"/>
           <a:lstStyle/>
-          <a:p/>
+          <a:p>
+            <a:endParaRPr/>
+          </a:p>
         </p:txBody>
       </p:sp>
       <p:graphicFrame>
@@ -11831,7 +12003,7 @@
         </p:nvGraphicFramePr>
         <p:xfrm>
           <a:off x="343154" y="604152"/>
-          <a:ext cx="3113405" cy="1402715"/>
+          <a:ext cx="3113405" cy="1402538"/>
         </p:xfrm>
         <a:graphic>
           <a:graphicData uri="http://schemas.openxmlformats.org/drawingml/2006/table">
@@ -11840,9 +12012,27 @@
                 <a:tableStyleId>{2D5ABB26-0587-4C30-8999-92F81FD0307C}</a:tableStyleId>
               </a:tblPr>
               <a:tblGrid>
-                <a:gridCol w="1631950"/>
-                <a:gridCol w="305435"/>
-                <a:gridCol w="1176020"/>
+                <a:gridCol w="1631950">
+                  <a:extLst>
+                    <a:ext uri="{9D8B030D-6E8A-4147-A177-3AD203B41FA5}">
+                      <a16:colId xmlns:a16="http://schemas.microsoft.com/office/drawing/2014/main" val="20000"/>
+                    </a:ext>
+                  </a:extLst>
+                </a:gridCol>
+                <a:gridCol w="305435">
+                  <a:extLst>
+                    <a:ext uri="{9D8B030D-6E8A-4147-A177-3AD203B41FA5}">
+                      <a16:colId xmlns:a16="http://schemas.microsoft.com/office/drawing/2014/main" val="20001"/>
+                    </a:ext>
+                  </a:extLst>
+                </a:gridCol>
+                <a:gridCol w="1176020">
+                  <a:extLst>
+                    <a:ext uri="{9D8B030D-6E8A-4147-A177-3AD203B41FA5}">
+                      <a16:colId xmlns:a16="http://schemas.microsoft.com/office/drawing/2014/main" val="20002"/>
+                    </a:ext>
+                  </a:extLst>
+                </a:gridCol>
               </a:tblGrid>
               <a:tr h="434528">
                 <a:tc>
@@ -11970,6 +12160,11 @@
                     </a:solidFill>
                   </a:tcPr>
                 </a:tc>
+                <a:extLst>
+                  <a:ext uri="{0D108BD9-81ED-4DB2-BD59-A6C34878D82A}">
+                    <a16:rowId xmlns:a16="http://schemas.microsoft.com/office/drawing/2014/main" val="10000"/>
+                  </a:ext>
+                </a:extLst>
               </a:tr>
               <a:tr h="533240">
                 <a:tc>
@@ -12097,6 +12292,11 @@
                     </a:solidFill>
                   </a:tcPr>
                 </a:tc>
+                <a:extLst>
+                  <a:ext uri="{0D108BD9-81ED-4DB2-BD59-A6C34878D82A}">
+                    <a16:rowId xmlns:a16="http://schemas.microsoft.com/office/drawing/2014/main" val="10001"/>
+                  </a:ext>
+                </a:extLst>
               </a:tr>
               <a:tr h="434770">
                 <a:tc>
@@ -12244,6 +12444,11 @@
                     </a:solidFill>
                   </a:tcPr>
                 </a:tc>
+                <a:extLst>
+                  <a:ext uri="{0D108BD9-81ED-4DB2-BD59-A6C34878D82A}">
+                    <a16:rowId xmlns:a16="http://schemas.microsoft.com/office/drawing/2014/main" val="10002"/>
+                  </a:ext>
+                </a:extLst>
               </a:tr>
             </a:tbl>
           </a:graphicData>
@@ -12322,11 +12527,6 @@
               </a:rPr>
               <a:t>bigger”);</a:t>
             </a:r>
-            <a:endParaRPr spc="-5" dirty="0">
-              <a:solidFill>
-                <a:srgbClr val="2A9FBB"/>
-              </a:solidFill>
-            </a:endParaRPr>
           </a:p>
         </p:txBody>
       </p:sp>
@@ -12491,7 +12691,7 @@
             <p:nvPr/>
           </p:nvPicPr>
           <p:blipFill>
-            <a:blip r:embed="rId1" cstate="print"/>
+            <a:blip r:embed="rId2" cstate="print"/>
             <a:stretch>
               <a:fillRect/>
             </a:stretch>
@@ -12513,7 +12713,7 @@
             <p:nvPr/>
           </p:nvPicPr>
           <p:blipFill>
-            <a:blip r:embed="rId2" cstate="print"/>
+            <a:blip r:embed="rId3" cstate="print"/>
             <a:stretch>
               <a:fillRect/>
             </a:stretch>
@@ -12535,7 +12735,7 @@
             <p:nvPr/>
           </p:nvPicPr>
           <p:blipFill>
-            <a:blip r:embed="rId3" cstate="print"/>
+            <a:blip r:embed="rId4" cstate="print"/>
             <a:stretch>
               <a:fillRect/>
             </a:stretch>
@@ -12558,7 +12758,7 @@
           <p:nvPr/>
         </p:nvPicPr>
         <p:blipFill>
-          <a:blip r:embed="rId4" cstate="print"/>
+          <a:blip r:embed="rId5" cstate="print"/>
           <a:stretch>
             <a:fillRect/>
           </a:stretch>
@@ -12580,7 +12780,7 @@
           <p:nvPr/>
         </p:nvPicPr>
         <p:blipFill>
-          <a:blip r:embed="rId5" cstate="print"/>
+          <a:blip r:embed="rId6" cstate="print"/>
           <a:stretch>
             <a:fillRect/>
           </a:stretch>
@@ -12648,7 +12848,7 @@
           <p:nvPr/>
         </p:nvPicPr>
         <p:blipFill>
-          <a:blip r:embed="rId6" cstate="print"/>
+          <a:blip r:embed="rId7" cstate="print"/>
           <a:stretch>
             <a:fillRect/>
           </a:stretch>
@@ -12850,9 +13050,11 @@
         <p:spPr/>
         <p:txBody>
           <a:bodyPr/>
+          <a:lstStyle/>
           <a:p>
             <a:fld id="{B6F15528-21DE-4FAA-801E-634DDDAF4B2B}" type="slidenum">
               <a:rPr/>
+              <a:t>6</a:t>
             </a:fld>
             <a:endParaRPr/>
           </a:p>
@@ -12920,7 +13122,9 @@
         <p:txBody>
           <a:bodyPr wrap="square" lIns="0" tIns="0" rIns="0" bIns="0" rtlCol="0"/>
           <a:lstStyle/>
-          <a:p/>
+          <a:p>
+            <a:endParaRPr/>
+          </a:p>
         </p:txBody>
       </p:sp>
       <p:pic>
@@ -12930,7 +13134,7 @@
           <p:nvPr/>
         </p:nvPicPr>
         <p:blipFill>
-          <a:blip r:embed="rId1" cstate="print"/>
+          <a:blip r:embed="rId2" cstate="print"/>
           <a:stretch>
             <a:fillRect/>
           </a:stretch>
@@ -12966,7 +13170,7 @@
             <p:nvPr/>
           </p:nvPicPr>
           <p:blipFill>
-            <a:blip r:embed="rId2" cstate="print"/>
+            <a:blip r:embed="rId3" cstate="print"/>
             <a:stretch>
               <a:fillRect/>
             </a:stretch>
@@ -12988,7 +13192,7 @@
             <p:nvPr/>
           </p:nvPicPr>
           <p:blipFill>
-            <a:blip r:embed="rId3" cstate="print"/>
+            <a:blip r:embed="rId4" cstate="print"/>
             <a:stretch>
               <a:fillRect/>
             </a:stretch>
@@ -13010,7 +13214,7 @@
             <p:nvPr/>
           </p:nvPicPr>
           <p:blipFill>
-            <a:blip r:embed="rId4" cstate="print"/>
+            <a:blip r:embed="rId5" cstate="print"/>
             <a:stretch>
               <a:fillRect/>
             </a:stretch>
@@ -13047,7 +13251,7 @@
             <p:nvPr/>
           </p:nvPicPr>
           <p:blipFill>
-            <a:blip r:embed="rId5" cstate="print"/>
+            <a:blip r:embed="rId6" cstate="print"/>
             <a:stretch>
               <a:fillRect/>
             </a:stretch>
@@ -13069,7 +13273,7 @@
             <p:nvPr/>
           </p:nvPicPr>
           <p:blipFill>
-            <a:blip r:embed="rId6" cstate="print"/>
+            <a:blip r:embed="rId7" cstate="print"/>
             <a:stretch>
               <a:fillRect/>
             </a:stretch>
@@ -13091,7 +13295,7 @@
             <p:nvPr/>
           </p:nvPicPr>
           <p:blipFill>
-            <a:blip r:embed="rId7" cstate="print"/>
+            <a:blip r:embed="rId8" cstate="print"/>
             <a:stretch>
               <a:fillRect/>
             </a:stretch>
@@ -13113,7 +13317,7 @@
             <p:nvPr/>
           </p:nvPicPr>
           <p:blipFill>
-            <a:blip r:embed="rId6" cstate="print"/>
+            <a:blip r:embed="rId7" cstate="print"/>
             <a:stretch>
               <a:fillRect/>
             </a:stretch>
@@ -13135,7 +13339,7 @@
             <p:nvPr/>
           </p:nvPicPr>
           <p:blipFill>
-            <a:blip r:embed="rId8" cstate="print"/>
+            <a:blip r:embed="rId9" cstate="print"/>
             <a:stretch>
               <a:fillRect/>
             </a:stretch>
@@ -13158,7 +13362,7 @@
           <p:nvPr/>
         </p:nvPicPr>
         <p:blipFill>
-          <a:blip r:embed="rId9" cstate="print"/>
+          <a:blip r:embed="rId10" cstate="print"/>
           <a:stretch>
             <a:fillRect/>
           </a:stretch>
@@ -13180,7 +13384,7 @@
           <p:nvPr/>
         </p:nvPicPr>
         <p:blipFill>
-          <a:blip r:embed="rId10" cstate="print"/>
+          <a:blip r:embed="rId11" cstate="print"/>
           <a:stretch>
             <a:fillRect/>
           </a:stretch>
@@ -13758,9 +13962,11 @@
         <p:spPr/>
         <p:txBody>
           <a:bodyPr/>
+          <a:lstStyle/>
           <a:p>
             <a:fld id="{B6F15528-21DE-4FAA-801E-634DDDAF4B2B}" type="slidenum">
               <a:rPr/>
+              <a:t>7</a:t>
             </a:fld>
             <a:endParaRPr/>
           </a:p>
@@ -13836,7 +14042,9 @@
         <p:txBody>
           <a:bodyPr wrap="square" lIns="0" tIns="0" rIns="0" bIns="0" rtlCol="0"/>
           <a:lstStyle/>
-          <a:p/>
+          <a:p>
+            <a:endParaRPr/>
+          </a:p>
         </p:txBody>
       </p:sp>
       <p:graphicFrame>
@@ -13849,7 +14057,7 @@
         </p:nvGraphicFramePr>
         <p:xfrm>
           <a:off x="343154" y="1845577"/>
-          <a:ext cx="3113405" cy="1402715"/>
+          <a:ext cx="3113405" cy="1402709"/>
         </p:xfrm>
         <a:graphic>
           <a:graphicData uri="http://schemas.openxmlformats.org/drawingml/2006/table">
@@ -13858,9 +14066,27 @@
                 <a:tableStyleId>{2D5ABB26-0587-4C30-8999-92F81FD0307C}</a:tableStyleId>
               </a:tblPr>
               <a:tblGrid>
-                <a:gridCol w="1631950"/>
-                <a:gridCol w="305435"/>
-                <a:gridCol w="1176020"/>
+                <a:gridCol w="1631950">
+                  <a:extLst>
+                    <a:ext uri="{9D8B030D-6E8A-4147-A177-3AD203B41FA5}">
+                      <a16:colId xmlns:a16="http://schemas.microsoft.com/office/drawing/2014/main" val="20000"/>
+                    </a:ext>
+                  </a:extLst>
+                </a:gridCol>
+                <a:gridCol w="305435">
+                  <a:extLst>
+                    <a:ext uri="{9D8B030D-6E8A-4147-A177-3AD203B41FA5}">
+                      <a16:colId xmlns:a16="http://schemas.microsoft.com/office/drawing/2014/main" val="20001"/>
+                    </a:ext>
+                  </a:extLst>
+                </a:gridCol>
+                <a:gridCol w="1176020">
+                  <a:extLst>
+                    <a:ext uri="{9D8B030D-6E8A-4147-A177-3AD203B41FA5}">
+                      <a16:colId xmlns:a16="http://schemas.microsoft.com/office/drawing/2014/main" val="20002"/>
+                    </a:ext>
+                  </a:extLst>
+                </a:gridCol>
               </a:tblGrid>
               <a:tr h="434655">
                 <a:tc>
@@ -13988,6 +14214,11 @@
                     </a:solidFill>
                   </a:tcPr>
                 </a:tc>
+                <a:extLst>
+                  <a:ext uri="{0D108BD9-81ED-4DB2-BD59-A6C34878D82A}">
+                    <a16:rowId xmlns:a16="http://schemas.microsoft.com/office/drawing/2014/main" val="10000"/>
+                  </a:ext>
+                </a:extLst>
               </a:tr>
               <a:tr h="533526">
                 <a:tc>
@@ -14115,6 +14346,11 @@
                     </a:solidFill>
                   </a:tcPr>
                 </a:tc>
+                <a:extLst>
+                  <a:ext uri="{0D108BD9-81ED-4DB2-BD59-A6C34878D82A}">
+                    <a16:rowId xmlns:a16="http://schemas.microsoft.com/office/drawing/2014/main" val="10001"/>
+                  </a:ext>
+                </a:extLst>
               </a:tr>
               <a:tr h="434528">
                 <a:tc>
@@ -14262,6 +14498,11 @@
                     </a:solidFill>
                   </a:tcPr>
                 </a:tc>
+                <a:extLst>
+                  <a:ext uri="{0D108BD9-81ED-4DB2-BD59-A6C34878D82A}">
+                    <a16:rowId xmlns:a16="http://schemas.microsoft.com/office/drawing/2014/main" val="10002"/>
+                  </a:ext>
+                </a:extLst>
               </a:tr>
             </a:tbl>
           </a:graphicData>
@@ -14760,7 +15001,7 @@
             <p:nvPr/>
           </p:nvPicPr>
           <p:blipFill>
-            <a:blip r:embed="rId1" cstate="print"/>
+            <a:blip r:embed="rId2" cstate="print"/>
             <a:stretch>
               <a:fillRect/>
             </a:stretch>
@@ -14782,7 +15023,7 @@
             <p:nvPr/>
           </p:nvPicPr>
           <p:blipFill>
-            <a:blip r:embed="rId2" cstate="print"/>
+            <a:blip r:embed="rId3" cstate="print"/>
             <a:stretch>
               <a:fillRect/>
             </a:stretch>
@@ -14804,7 +15045,7 @@
             <p:nvPr/>
           </p:nvPicPr>
           <p:blipFill>
-            <a:blip r:embed="rId3" cstate="print"/>
+            <a:blip r:embed="rId4" cstate="print"/>
             <a:stretch>
               <a:fillRect/>
             </a:stretch>
@@ -14833,9 +15074,11 @@
         <p:spPr/>
         <p:txBody>
           <a:bodyPr/>
+          <a:lstStyle/>
           <a:p>
             <a:fld id="{B6F15528-21DE-4FAA-801E-634DDDAF4B2B}" type="slidenum">
               <a:rPr/>
+              <a:t>8</a:t>
             </a:fld>
             <a:endParaRPr/>
           </a:p>
@@ -14903,7 +15146,9 @@
         <p:txBody>
           <a:bodyPr wrap="square" lIns="0" tIns="0" rIns="0" bIns="0" rtlCol="0"/>
           <a:lstStyle/>
-          <a:p/>
+          <a:p>
+            <a:endParaRPr/>
+          </a:p>
         </p:txBody>
       </p:sp>
       <p:pic>
@@ -14913,7 +15158,7 @@
           <p:nvPr/>
         </p:nvPicPr>
         <p:blipFill>
-          <a:blip r:embed="rId1" cstate="print"/>
+          <a:blip r:embed="rId2" cstate="print"/>
           <a:stretch>
             <a:fillRect/>
           </a:stretch>
@@ -14935,7 +15180,7 @@
           <p:nvPr/>
         </p:nvPicPr>
         <p:blipFill>
-          <a:blip r:embed="rId2" cstate="print"/>
+          <a:blip r:embed="rId3" cstate="print"/>
           <a:stretch>
             <a:fillRect/>
           </a:stretch>
@@ -15076,7 +15321,7 @@
             <p:nvPr/>
           </p:nvPicPr>
           <p:blipFill>
-            <a:blip r:embed="rId3" cstate="print"/>
+            <a:blip r:embed="rId4" cstate="print"/>
             <a:stretch>
               <a:fillRect/>
             </a:stretch>
@@ -15098,7 +15343,7 @@
             <p:nvPr/>
           </p:nvPicPr>
           <p:blipFill>
-            <a:blip r:embed="rId4" cstate="print"/>
+            <a:blip r:embed="rId5" cstate="print"/>
             <a:stretch>
               <a:fillRect/>
             </a:stretch>
@@ -15121,7 +15366,7 @@
           <p:nvPr/>
         </p:nvPicPr>
         <p:blipFill>
-          <a:blip r:embed="rId5" cstate="print"/>
+          <a:blip r:embed="rId6" cstate="print"/>
           <a:stretch>
             <a:fillRect/>
           </a:stretch>
@@ -15143,7 +15388,7 @@
           <p:nvPr/>
         </p:nvPicPr>
         <p:blipFill>
-          <a:blip r:embed="rId6" cstate="print"/>
+          <a:blip r:embed="rId7" cstate="print"/>
           <a:stretch>
             <a:fillRect/>
           </a:stretch>
@@ -15165,7 +15410,7 @@
           <p:nvPr/>
         </p:nvPicPr>
         <p:blipFill>
-          <a:blip r:embed="rId7" cstate="print"/>
+          <a:blip r:embed="rId8" cstate="print"/>
           <a:stretch>
             <a:fillRect/>
           </a:stretch>
@@ -15193,9 +15438,11 @@
         <p:spPr/>
         <p:txBody>
           <a:bodyPr/>
+          <a:lstStyle/>
           <a:p>
             <a:fld id="{B6F15528-21DE-4FAA-801E-634DDDAF4B2B}" type="slidenum">
               <a:rPr/>
+              <a:t>9</a:t>
             </a:fld>
             <a:endParaRPr/>
           </a:p>
@@ -15487,6 +15734,8 @@
       </a:bgFillStyleLst>
     </a:fmtScheme>
   </a:themeElements>
+  <a:objectDefaults/>
+  <a:extraClrSchemeLst/>
   <a:extLst>
     <a:ext uri="{05A4C25C-085E-4340-85A3-A5531E510DB2}">
       <thm15:themeFamily xmlns:thm15="http://schemas.microsoft.com/office/thememl/2012/main" name="Office Theme" id="{62F939B6-93AF-4DB8-9C6B-D6C7DFDC589F}" vid="{4A3C46E8-61CC-4603-A589-7422A47A8E4A}"/>
@@ -15746,6 +15995,8 @@
       </a:bgFillStyleLst>
     </a:fmtScheme>
   </a:themeElements>
+  <a:objectDefaults/>
+  <a:extraClrSchemeLst/>
   <a:extLst>
     <a:ext uri="{05A4C25C-085E-4340-85A3-A5531E510DB2}">
       <thm15:themeFamily xmlns:thm15="http://schemas.microsoft.com/office/thememl/2012/main" name="Office Theme" id="{62F939B6-93AF-4DB8-9C6B-D6C7DFDC589F}" vid="{4A3C46E8-61CC-4603-A589-7422A47A8E4A}"/>
